--- a/FFPM/FFPM 177.pptx
+++ b/FFPM/FFPM 177.pptx
@@ -215,7 +215,7 @@
           </a:lstStyle>
           <a:p>
             <a:r>
-              <a:rPr kumimoji="0" lang="fr-FR" smtClean="0"/>
+              <a:rPr kumimoji="0" lang="fr-FR"/>
               <a:t>Modifiez le style du titre</a:t>
             </a:r>
             <a:endParaRPr kumimoji="0" lang="en-US"/>
@@ -240,7 +240,7 @@
             <a:fld id="{E1E9137A-D7C1-4F8C-A62B-C89ADD9F06F3}" type="datetimeFigureOut">
               <a:rPr lang="fr-FR" smtClean="0"/>
               <a:pPr/>
-              <a:t>13/06/2021</a:t>
+              <a:t>27/08/2023</a:t>
             </a:fld>
             <a:endParaRPr lang="fr-FR"/>
           </a:p>
@@ -343,7 +343,7 @@
           </a:lstStyle>
           <a:p>
             <a:r>
-              <a:rPr kumimoji="0" lang="fr-FR" smtClean="0"/>
+              <a:rPr kumimoji="0" lang="fr-FR"/>
               <a:t>Modifiez le style des sous-titres du masque</a:t>
             </a:r>
             <a:endParaRPr kumimoji="0" lang="en-US"/>
@@ -391,7 +391,7 @@
           <a:lstStyle/>
           <a:p>
             <a:r>
-              <a:rPr kumimoji="0" lang="fr-FR" smtClean="0"/>
+              <a:rPr kumimoji="0" lang="fr-FR"/>
               <a:t>Modifiez le style du titre</a:t>
             </a:r>
             <a:endParaRPr kumimoji="0" lang="en-US"/>
@@ -415,35 +415,35 @@
           <a:p>
             <a:pPr lvl="0" eaLnBrk="1" latinLnBrk="0" hangingPunct="1"/>
             <a:r>
-              <a:rPr lang="fr-FR" smtClean="0"/>
+              <a:rPr lang="fr-FR"/>
               <a:t>Modifiez les styles du texte du masque</a:t>
             </a:r>
           </a:p>
           <a:p>
             <a:pPr lvl="1" eaLnBrk="1" latinLnBrk="0" hangingPunct="1"/>
             <a:r>
-              <a:rPr lang="fr-FR" smtClean="0"/>
+              <a:rPr lang="fr-FR"/>
               <a:t>Deuxième niveau</a:t>
             </a:r>
           </a:p>
           <a:p>
             <a:pPr lvl="2" eaLnBrk="1" latinLnBrk="0" hangingPunct="1"/>
             <a:r>
-              <a:rPr lang="fr-FR" smtClean="0"/>
+              <a:rPr lang="fr-FR"/>
               <a:t>Troisième niveau</a:t>
             </a:r>
           </a:p>
           <a:p>
             <a:pPr lvl="3" eaLnBrk="1" latinLnBrk="0" hangingPunct="1"/>
             <a:r>
-              <a:rPr lang="fr-FR" smtClean="0"/>
+              <a:rPr lang="fr-FR"/>
               <a:t>Quatrième niveau</a:t>
             </a:r>
           </a:p>
           <a:p>
             <a:pPr lvl="4" eaLnBrk="1" latinLnBrk="0" hangingPunct="1"/>
             <a:r>
-              <a:rPr lang="fr-FR" smtClean="0"/>
+              <a:rPr lang="fr-FR"/>
               <a:t>Cinquième niveau</a:t>
             </a:r>
             <a:endParaRPr kumimoji="0" lang="en-US"/>
@@ -468,7 +468,7 @@
             <a:fld id="{E1E9137A-D7C1-4F8C-A62B-C89ADD9F06F3}" type="datetimeFigureOut">
               <a:rPr lang="fr-FR" smtClean="0"/>
               <a:pPr/>
-              <a:t>13/06/2021</a:t>
+              <a:t>27/08/2023</a:t>
             </a:fld>
             <a:endParaRPr lang="fr-FR"/>
           </a:p>
@@ -563,7 +563,7 @@
           <a:lstStyle/>
           <a:p>
             <a:r>
-              <a:rPr kumimoji="0" lang="fr-FR" smtClean="0"/>
+              <a:rPr kumimoji="0" lang="fr-FR"/>
               <a:t>Modifiez le style du titre</a:t>
             </a:r>
             <a:endParaRPr kumimoji="0" lang="en-US"/>
@@ -592,35 +592,35 @@
           <a:p>
             <a:pPr lvl="0" eaLnBrk="1" latinLnBrk="0" hangingPunct="1"/>
             <a:r>
-              <a:rPr lang="fr-FR" smtClean="0"/>
+              <a:rPr lang="fr-FR"/>
               <a:t>Modifiez les styles du texte du masque</a:t>
             </a:r>
           </a:p>
           <a:p>
             <a:pPr lvl="1" eaLnBrk="1" latinLnBrk="0" hangingPunct="1"/>
             <a:r>
-              <a:rPr lang="fr-FR" smtClean="0"/>
+              <a:rPr lang="fr-FR"/>
               <a:t>Deuxième niveau</a:t>
             </a:r>
           </a:p>
           <a:p>
             <a:pPr lvl="2" eaLnBrk="1" latinLnBrk="0" hangingPunct="1"/>
             <a:r>
-              <a:rPr lang="fr-FR" smtClean="0"/>
+              <a:rPr lang="fr-FR"/>
               <a:t>Troisième niveau</a:t>
             </a:r>
           </a:p>
           <a:p>
             <a:pPr lvl="3" eaLnBrk="1" latinLnBrk="0" hangingPunct="1"/>
             <a:r>
-              <a:rPr lang="fr-FR" smtClean="0"/>
+              <a:rPr lang="fr-FR"/>
               <a:t>Quatrième niveau</a:t>
             </a:r>
           </a:p>
           <a:p>
             <a:pPr lvl="4" eaLnBrk="1" latinLnBrk="0" hangingPunct="1"/>
             <a:r>
-              <a:rPr lang="fr-FR" smtClean="0"/>
+              <a:rPr lang="fr-FR"/>
               <a:t>Cinquième niveau</a:t>
             </a:r>
             <a:endParaRPr kumimoji="0" lang="en-US"/>
@@ -645,7 +645,7 @@
             <a:fld id="{E1E9137A-D7C1-4F8C-A62B-C89ADD9F06F3}" type="datetimeFigureOut">
               <a:rPr lang="fr-FR" smtClean="0"/>
               <a:pPr/>
-              <a:t>13/06/2021</a:t>
+              <a:t>27/08/2023</a:t>
             </a:fld>
             <a:endParaRPr lang="fr-FR"/>
           </a:p>
@@ -735,7 +735,7 @@
           <a:lstStyle/>
           <a:p>
             <a:r>
-              <a:rPr kumimoji="0" lang="fr-FR" smtClean="0"/>
+              <a:rPr kumimoji="0" lang="fr-FR"/>
               <a:t>Modifiez le style du titre</a:t>
             </a:r>
             <a:endParaRPr kumimoji="0" lang="en-US"/>
@@ -759,35 +759,35 @@
           <a:p>
             <a:pPr lvl="0" eaLnBrk="1" latinLnBrk="0" hangingPunct="1"/>
             <a:r>
-              <a:rPr lang="fr-FR" smtClean="0"/>
+              <a:rPr lang="fr-FR"/>
               <a:t>Modifiez les styles du texte du masque</a:t>
             </a:r>
           </a:p>
           <a:p>
             <a:pPr lvl="1" eaLnBrk="1" latinLnBrk="0" hangingPunct="1"/>
             <a:r>
-              <a:rPr lang="fr-FR" smtClean="0"/>
+              <a:rPr lang="fr-FR"/>
               <a:t>Deuxième niveau</a:t>
             </a:r>
           </a:p>
           <a:p>
             <a:pPr lvl="2" eaLnBrk="1" latinLnBrk="0" hangingPunct="1"/>
             <a:r>
-              <a:rPr lang="fr-FR" smtClean="0"/>
+              <a:rPr lang="fr-FR"/>
               <a:t>Troisième niveau</a:t>
             </a:r>
           </a:p>
           <a:p>
             <a:pPr lvl="3" eaLnBrk="1" latinLnBrk="0" hangingPunct="1"/>
             <a:r>
-              <a:rPr lang="fr-FR" smtClean="0"/>
+              <a:rPr lang="fr-FR"/>
               <a:t>Quatrième niveau</a:t>
             </a:r>
           </a:p>
           <a:p>
             <a:pPr lvl="4" eaLnBrk="1" latinLnBrk="0" hangingPunct="1"/>
             <a:r>
-              <a:rPr lang="fr-FR" smtClean="0"/>
+              <a:rPr lang="fr-FR"/>
               <a:t>Cinquième niveau</a:t>
             </a:r>
             <a:endParaRPr kumimoji="0" lang="en-US"/>
@@ -812,7 +812,7 @@
             <a:fld id="{E1E9137A-D7C1-4F8C-A62B-C89ADD9F06F3}" type="datetimeFigureOut">
               <a:rPr lang="fr-FR" smtClean="0"/>
               <a:pPr/>
-              <a:t>13/06/2021</a:t>
+              <a:t>27/08/2023</a:t>
             </a:fld>
             <a:endParaRPr lang="fr-FR"/>
           </a:p>
@@ -951,7 +951,7 @@
           </a:lstStyle>
           <a:p>
             <a:r>
-              <a:rPr kumimoji="0" lang="fr-FR" smtClean="0"/>
+              <a:rPr kumimoji="0" lang="fr-FR"/>
               <a:t>Modifiez le style du titre</a:t>
             </a:r>
             <a:endParaRPr kumimoji="0" lang="en-US"/>
@@ -1029,7 +1029,7 @@
           <a:p>
             <a:pPr lvl="0" eaLnBrk="1" latinLnBrk="0" hangingPunct="1"/>
             <a:r>
-              <a:rPr kumimoji="0" lang="fr-FR" smtClean="0"/>
+              <a:rPr kumimoji="0" lang="fr-FR"/>
               <a:t>Modifiez les styles du texte du masque</a:t>
             </a:r>
           </a:p>
@@ -1053,7 +1053,7 @@
             <a:fld id="{E1E9137A-D7C1-4F8C-A62B-C89ADD9F06F3}" type="datetimeFigureOut">
               <a:rPr lang="fr-FR" smtClean="0"/>
               <a:pPr/>
-              <a:t>13/06/2021</a:t>
+              <a:t>27/08/2023</a:t>
             </a:fld>
             <a:endParaRPr lang="fr-FR"/>
           </a:p>
@@ -1148,7 +1148,7 @@
           <a:lstStyle/>
           <a:p>
             <a:r>
-              <a:rPr kumimoji="0" lang="fr-FR" smtClean="0"/>
+              <a:rPr kumimoji="0" lang="fr-FR"/>
               <a:t>Modifiez le style du titre</a:t>
             </a:r>
             <a:endParaRPr kumimoji="0" lang="en-US"/>
@@ -1193,35 +1193,35 @@
           <a:p>
             <a:pPr lvl="0" eaLnBrk="1" latinLnBrk="0" hangingPunct="1"/>
             <a:r>
-              <a:rPr lang="fr-FR" smtClean="0"/>
+              <a:rPr lang="fr-FR"/>
               <a:t>Modifiez les styles du texte du masque</a:t>
             </a:r>
           </a:p>
           <a:p>
             <a:pPr lvl="1" eaLnBrk="1" latinLnBrk="0" hangingPunct="1"/>
             <a:r>
-              <a:rPr lang="fr-FR" smtClean="0"/>
+              <a:rPr lang="fr-FR"/>
               <a:t>Deuxième niveau</a:t>
             </a:r>
           </a:p>
           <a:p>
             <a:pPr lvl="2" eaLnBrk="1" latinLnBrk="0" hangingPunct="1"/>
             <a:r>
-              <a:rPr lang="fr-FR" smtClean="0"/>
+              <a:rPr lang="fr-FR"/>
               <a:t>Troisième niveau</a:t>
             </a:r>
           </a:p>
           <a:p>
             <a:pPr lvl="3" eaLnBrk="1" latinLnBrk="0" hangingPunct="1"/>
             <a:r>
-              <a:rPr lang="fr-FR" smtClean="0"/>
+              <a:rPr lang="fr-FR"/>
               <a:t>Quatrième niveau</a:t>
             </a:r>
           </a:p>
           <a:p>
             <a:pPr lvl="4" eaLnBrk="1" latinLnBrk="0" hangingPunct="1"/>
             <a:r>
-              <a:rPr lang="fr-FR" smtClean="0"/>
+              <a:rPr lang="fr-FR"/>
               <a:t>Cinquième niveau</a:t>
             </a:r>
             <a:endParaRPr kumimoji="0" lang="en-US"/>
@@ -1266,35 +1266,35 @@
           <a:p>
             <a:pPr lvl="0" eaLnBrk="1" latinLnBrk="0" hangingPunct="1"/>
             <a:r>
-              <a:rPr lang="fr-FR" smtClean="0"/>
+              <a:rPr lang="fr-FR"/>
               <a:t>Modifiez les styles du texte du masque</a:t>
             </a:r>
           </a:p>
           <a:p>
             <a:pPr lvl="1" eaLnBrk="1" latinLnBrk="0" hangingPunct="1"/>
             <a:r>
-              <a:rPr lang="fr-FR" smtClean="0"/>
+              <a:rPr lang="fr-FR"/>
               <a:t>Deuxième niveau</a:t>
             </a:r>
           </a:p>
           <a:p>
             <a:pPr lvl="2" eaLnBrk="1" latinLnBrk="0" hangingPunct="1"/>
             <a:r>
-              <a:rPr lang="fr-FR" smtClean="0"/>
+              <a:rPr lang="fr-FR"/>
               <a:t>Troisième niveau</a:t>
             </a:r>
           </a:p>
           <a:p>
             <a:pPr lvl="3" eaLnBrk="1" latinLnBrk="0" hangingPunct="1"/>
             <a:r>
-              <a:rPr lang="fr-FR" smtClean="0"/>
+              <a:rPr lang="fr-FR"/>
               <a:t>Quatrième niveau</a:t>
             </a:r>
           </a:p>
           <a:p>
             <a:pPr lvl="4" eaLnBrk="1" latinLnBrk="0" hangingPunct="1"/>
             <a:r>
-              <a:rPr lang="fr-FR" smtClean="0"/>
+              <a:rPr lang="fr-FR"/>
               <a:t>Cinquième niveau</a:t>
             </a:r>
             <a:endParaRPr kumimoji="0" lang="en-US"/>
@@ -1319,7 +1319,7 @@
             <a:fld id="{E1E9137A-D7C1-4F8C-A62B-C89ADD9F06F3}" type="datetimeFigureOut">
               <a:rPr lang="fr-FR" smtClean="0"/>
               <a:pPr/>
-              <a:t>13/06/2021</a:t>
+              <a:t>27/08/2023</a:t>
             </a:fld>
             <a:endParaRPr lang="fr-FR"/>
           </a:p>
@@ -1418,7 +1418,7 @@
           </a:lstStyle>
           <a:p>
             <a:r>
-              <a:rPr kumimoji="0" lang="fr-FR" smtClean="0"/>
+              <a:rPr kumimoji="0" lang="fr-FR"/>
               <a:t>Modifiez le style du titre</a:t>
             </a:r>
             <a:endParaRPr kumimoji="0" lang="en-US"/>
@@ -1472,7 +1472,7 @@
           <a:p>
             <a:pPr lvl="0" eaLnBrk="1" latinLnBrk="0" hangingPunct="1"/>
             <a:r>
-              <a:rPr kumimoji="0" lang="fr-FR" smtClean="0"/>
+              <a:rPr kumimoji="0" lang="fr-FR"/>
               <a:t>Modifiez les styles du texte du masque</a:t>
             </a:r>
           </a:p>
@@ -1525,7 +1525,7 @@
           <a:p>
             <a:pPr lvl="0" eaLnBrk="1" latinLnBrk="0" hangingPunct="1"/>
             <a:r>
-              <a:rPr kumimoji="0" lang="fr-FR" smtClean="0"/>
+              <a:rPr kumimoji="0" lang="fr-FR"/>
               <a:t>Modifiez les styles du texte du masque</a:t>
             </a:r>
           </a:p>
@@ -1569,35 +1569,35 @@
           <a:p>
             <a:pPr lvl="0" eaLnBrk="1" latinLnBrk="0" hangingPunct="1"/>
             <a:r>
-              <a:rPr lang="fr-FR" smtClean="0"/>
+              <a:rPr lang="fr-FR"/>
               <a:t>Modifiez les styles du texte du masque</a:t>
             </a:r>
           </a:p>
           <a:p>
             <a:pPr lvl="1" eaLnBrk="1" latinLnBrk="0" hangingPunct="1"/>
             <a:r>
-              <a:rPr lang="fr-FR" smtClean="0"/>
+              <a:rPr lang="fr-FR"/>
               <a:t>Deuxième niveau</a:t>
             </a:r>
           </a:p>
           <a:p>
             <a:pPr lvl="2" eaLnBrk="1" latinLnBrk="0" hangingPunct="1"/>
             <a:r>
-              <a:rPr lang="fr-FR" smtClean="0"/>
+              <a:rPr lang="fr-FR"/>
               <a:t>Troisième niveau</a:t>
             </a:r>
           </a:p>
           <a:p>
             <a:pPr lvl="3" eaLnBrk="1" latinLnBrk="0" hangingPunct="1"/>
             <a:r>
-              <a:rPr lang="fr-FR" smtClean="0"/>
+              <a:rPr lang="fr-FR"/>
               <a:t>Quatrième niveau</a:t>
             </a:r>
           </a:p>
           <a:p>
             <a:pPr lvl="4" eaLnBrk="1" latinLnBrk="0" hangingPunct="1"/>
             <a:r>
-              <a:rPr lang="fr-FR" smtClean="0"/>
+              <a:rPr lang="fr-FR"/>
               <a:t>Cinquième niveau</a:t>
             </a:r>
             <a:endParaRPr kumimoji="0" lang="en-US"/>
@@ -1642,35 +1642,35 @@
           <a:p>
             <a:pPr lvl="0" eaLnBrk="1" latinLnBrk="0" hangingPunct="1"/>
             <a:r>
-              <a:rPr lang="fr-FR" smtClean="0"/>
+              <a:rPr lang="fr-FR"/>
               <a:t>Modifiez les styles du texte du masque</a:t>
             </a:r>
           </a:p>
           <a:p>
             <a:pPr lvl="1" eaLnBrk="1" latinLnBrk="0" hangingPunct="1"/>
             <a:r>
-              <a:rPr lang="fr-FR" smtClean="0"/>
+              <a:rPr lang="fr-FR"/>
               <a:t>Deuxième niveau</a:t>
             </a:r>
           </a:p>
           <a:p>
             <a:pPr lvl="2" eaLnBrk="1" latinLnBrk="0" hangingPunct="1"/>
             <a:r>
-              <a:rPr lang="fr-FR" smtClean="0"/>
+              <a:rPr lang="fr-FR"/>
               <a:t>Troisième niveau</a:t>
             </a:r>
           </a:p>
           <a:p>
             <a:pPr lvl="3" eaLnBrk="1" latinLnBrk="0" hangingPunct="1"/>
             <a:r>
-              <a:rPr lang="fr-FR" smtClean="0"/>
+              <a:rPr lang="fr-FR"/>
               <a:t>Quatrième niveau</a:t>
             </a:r>
           </a:p>
           <a:p>
             <a:pPr lvl="4" eaLnBrk="1" latinLnBrk="0" hangingPunct="1"/>
             <a:r>
-              <a:rPr lang="fr-FR" smtClean="0"/>
+              <a:rPr lang="fr-FR"/>
               <a:t>Cinquième niveau</a:t>
             </a:r>
             <a:endParaRPr kumimoji="0" lang="en-US"/>
@@ -1695,7 +1695,7 @@
             <a:fld id="{E1E9137A-D7C1-4F8C-A62B-C89ADD9F06F3}" type="datetimeFigureOut">
               <a:rPr lang="fr-FR" smtClean="0"/>
               <a:pPr/>
-              <a:t>13/06/2021</a:t>
+              <a:t>27/08/2023</a:t>
             </a:fld>
             <a:endParaRPr lang="fr-FR"/>
           </a:p>
@@ -1785,7 +1785,7 @@
           <a:lstStyle/>
           <a:p>
             <a:r>
-              <a:rPr kumimoji="0" lang="fr-FR" smtClean="0"/>
+              <a:rPr kumimoji="0" lang="fr-FR"/>
               <a:t>Modifiez le style du titre</a:t>
             </a:r>
             <a:endParaRPr kumimoji="0" lang="en-US"/>
@@ -1810,7 +1810,7 @@
             <a:fld id="{E1E9137A-D7C1-4F8C-A62B-C89ADD9F06F3}" type="datetimeFigureOut">
               <a:rPr lang="fr-FR" smtClean="0"/>
               <a:pPr/>
-              <a:t>13/06/2021</a:t>
+              <a:t>27/08/2023</a:t>
             </a:fld>
             <a:endParaRPr lang="fr-FR"/>
           </a:p>
@@ -1902,7 +1902,7 @@
             <a:fld id="{E1E9137A-D7C1-4F8C-A62B-C89ADD9F06F3}" type="datetimeFigureOut">
               <a:rPr lang="fr-FR" smtClean="0"/>
               <a:pPr/>
-              <a:t>13/06/2021</a:t>
+              <a:t>27/08/2023</a:t>
             </a:fld>
             <a:endParaRPr lang="fr-FR"/>
           </a:p>
@@ -2015,7 +2015,7 @@
           </a:lstStyle>
           <a:p>
             <a:r>
-              <a:rPr kumimoji="0" lang="fr-FR" smtClean="0"/>
+              <a:rPr kumimoji="0" lang="fr-FR"/>
               <a:t>Modifiez le style du titre</a:t>
             </a:r>
             <a:endParaRPr kumimoji="0" lang="en-US"/>
@@ -2065,7 +2065,7 @@
           <a:p>
             <a:pPr lvl="0" eaLnBrk="1" latinLnBrk="0" hangingPunct="1"/>
             <a:r>
-              <a:rPr kumimoji="0" lang="fr-FR" smtClean="0"/>
+              <a:rPr kumimoji="0" lang="fr-FR"/>
               <a:t>Modifiez les styles du texte du masque</a:t>
             </a:r>
           </a:p>
@@ -2109,35 +2109,35 @@
           <a:p>
             <a:pPr lvl="0" eaLnBrk="1" latinLnBrk="0" hangingPunct="1"/>
             <a:r>
-              <a:rPr lang="fr-FR" smtClean="0"/>
+              <a:rPr lang="fr-FR"/>
               <a:t>Modifiez les styles du texte du masque</a:t>
             </a:r>
           </a:p>
           <a:p>
             <a:pPr lvl="1" eaLnBrk="1" latinLnBrk="0" hangingPunct="1"/>
             <a:r>
-              <a:rPr lang="fr-FR" smtClean="0"/>
+              <a:rPr lang="fr-FR"/>
               <a:t>Deuxième niveau</a:t>
             </a:r>
           </a:p>
           <a:p>
             <a:pPr lvl="2" eaLnBrk="1" latinLnBrk="0" hangingPunct="1"/>
             <a:r>
-              <a:rPr lang="fr-FR" smtClean="0"/>
+              <a:rPr lang="fr-FR"/>
               <a:t>Troisième niveau</a:t>
             </a:r>
           </a:p>
           <a:p>
             <a:pPr lvl="3" eaLnBrk="1" latinLnBrk="0" hangingPunct="1"/>
             <a:r>
-              <a:rPr lang="fr-FR" smtClean="0"/>
+              <a:rPr lang="fr-FR"/>
               <a:t>Quatrième niveau</a:t>
             </a:r>
           </a:p>
           <a:p>
             <a:pPr lvl="4" eaLnBrk="1" latinLnBrk="0" hangingPunct="1"/>
             <a:r>
-              <a:rPr lang="fr-FR" smtClean="0"/>
+              <a:rPr lang="fr-FR"/>
               <a:t>Cinquième niveau</a:t>
             </a:r>
             <a:endParaRPr kumimoji="0" lang="en-US"/>
@@ -2162,7 +2162,7 @@
             <a:fld id="{E1E9137A-D7C1-4F8C-A62B-C89ADD9F06F3}" type="datetimeFigureOut">
               <a:rPr lang="fr-FR" smtClean="0"/>
               <a:pPr/>
-              <a:t>13/06/2021</a:t>
+              <a:t>27/08/2023</a:t>
             </a:fld>
             <a:endParaRPr lang="fr-FR"/>
           </a:p>
@@ -2264,7 +2264,7 @@
           </a:lstStyle>
           <a:p>
             <a:r>
-              <a:rPr kumimoji="0" lang="fr-FR" smtClean="0"/>
+              <a:rPr kumimoji="0" lang="fr-FR"/>
               <a:t>Modifiez le style du titre</a:t>
             </a:r>
             <a:endParaRPr kumimoji="0" lang="en-US"/>
@@ -2344,7 +2344,7 @@
           <a:p>
             <a:pPr marL="0" algn="l" rtl="0" eaLnBrk="1" latinLnBrk="0" hangingPunct="1"/>
             <a:r>
-              <a:rPr kumimoji="0" lang="fr-FR" smtClean="0">
+              <a:rPr kumimoji="0" lang="fr-FR">
                 <a:solidFill>
                   <a:schemeClr val="lt1"/>
                 </a:solidFill>
@@ -2404,7 +2404,7 @@
           <a:p>
             <a:pPr lvl="0" eaLnBrk="1" latinLnBrk="0" hangingPunct="1"/>
             <a:r>
-              <a:rPr kumimoji="0" lang="fr-FR" smtClean="0"/>
+              <a:rPr kumimoji="0" lang="fr-FR"/>
               <a:t>Modifiez les styles du texte du masque</a:t>
             </a:r>
           </a:p>
@@ -2428,7 +2428,7 @@
             <a:fld id="{E1E9137A-D7C1-4F8C-A62B-C89ADD9F06F3}" type="datetimeFigureOut">
               <a:rPr lang="fr-FR" smtClean="0"/>
               <a:pPr/>
-              <a:t>13/06/2021</a:t>
+              <a:t>27/08/2023</a:t>
             </a:fld>
             <a:endParaRPr lang="fr-FR"/>
           </a:p>
@@ -2545,7 +2545,7 @@
           <a:lstStyle/>
           <a:p>
             <a:r>
-              <a:rPr kumimoji="0" lang="fr-FR" smtClean="0"/>
+              <a:rPr kumimoji="0" lang="fr-FR"/>
               <a:t>Modifiez le style du titre</a:t>
             </a:r>
             <a:endParaRPr kumimoji="0" lang="en-US"/>
@@ -2579,35 +2579,35 @@
           <a:p>
             <a:pPr lvl="0" eaLnBrk="1" latinLnBrk="0" hangingPunct="1"/>
             <a:r>
-              <a:rPr kumimoji="0" lang="fr-FR" smtClean="0"/>
+              <a:rPr kumimoji="0" lang="fr-FR"/>
               <a:t>Modifiez les styles du texte du masque</a:t>
             </a:r>
           </a:p>
           <a:p>
             <a:pPr lvl="1" eaLnBrk="1" latinLnBrk="0" hangingPunct="1"/>
             <a:r>
-              <a:rPr kumimoji="0" lang="fr-FR" smtClean="0"/>
+              <a:rPr kumimoji="0" lang="fr-FR"/>
               <a:t>Deuxième niveau</a:t>
             </a:r>
           </a:p>
           <a:p>
             <a:pPr lvl="2" eaLnBrk="1" latinLnBrk="0" hangingPunct="1"/>
             <a:r>
-              <a:rPr kumimoji="0" lang="fr-FR" smtClean="0"/>
+              <a:rPr kumimoji="0" lang="fr-FR"/>
               <a:t>Troisième niveau</a:t>
             </a:r>
           </a:p>
           <a:p>
             <a:pPr lvl="3" eaLnBrk="1" latinLnBrk="0" hangingPunct="1"/>
             <a:r>
-              <a:rPr kumimoji="0" lang="fr-FR" smtClean="0"/>
+              <a:rPr kumimoji="0" lang="fr-FR"/>
               <a:t>Quatrième niveau</a:t>
             </a:r>
           </a:p>
           <a:p>
             <a:pPr lvl="4" eaLnBrk="1" latinLnBrk="0" hangingPunct="1"/>
             <a:r>
-              <a:rPr kumimoji="0" lang="fr-FR" smtClean="0"/>
+              <a:rPr kumimoji="0" lang="fr-FR"/>
               <a:t>Cinquième niveau</a:t>
             </a:r>
             <a:endParaRPr kumimoji="0" lang="en-US"/>
@@ -2650,7 +2650,7 @@
             <a:fld id="{E1E9137A-D7C1-4F8C-A62B-C89ADD9F06F3}" type="datetimeFigureOut">
               <a:rPr lang="fr-FR" smtClean="0"/>
               <a:pPr/>
-              <a:t>13/06/2021</a:t>
+              <a:t>27/08/2023</a:t>
             </a:fld>
             <a:endParaRPr lang="fr-FR"/>
           </a:p>
@@ -3103,7 +3103,7 @@
           <a:lstStyle/>
           <a:p>
             <a:r>
-              <a:rPr lang="fr-FR" sz="4000" b="1" dirty="0" smtClean="0">
+              <a:rPr lang="fr-FR" sz="4000" b="1" dirty="0">
                 <a:solidFill>
                   <a:schemeClr val="bg1"/>
                 </a:solidFill>
@@ -3111,7 +3111,7 @@
               <a:t>« </a:t>
             </a:r>
             <a:r>
-              <a:rPr lang="fr-FR" sz="4000" b="1" dirty="0" err="1" smtClean="0">
+              <a:rPr lang="fr-FR" sz="4000" b="1" dirty="0" err="1">
                 <a:solidFill>
                   <a:schemeClr val="bg1"/>
                 </a:solidFill>
@@ -3119,7 +3119,7 @@
               <a:t>Ry</a:t>
             </a:r>
             <a:r>
-              <a:rPr lang="fr-FR" sz="4000" b="1" dirty="0" smtClean="0">
+              <a:rPr lang="fr-FR" sz="4000" b="1" dirty="0">
                 <a:solidFill>
                   <a:schemeClr val="bg1"/>
                 </a:solidFill>
@@ -3127,7 +3127,7 @@
               <a:t> </a:t>
             </a:r>
             <a:r>
-              <a:rPr lang="fr-FR" sz="4000" b="1" dirty="0" err="1" smtClean="0">
+              <a:rPr lang="fr-FR" sz="4000" b="1" dirty="0" err="1">
                 <a:solidFill>
                   <a:schemeClr val="bg1"/>
                 </a:solidFill>
@@ -3135,7 +3135,7 @@
               <a:t>Fanahy</a:t>
             </a:r>
             <a:r>
-              <a:rPr lang="fr-FR" sz="4000" b="1" dirty="0" smtClean="0">
+              <a:rPr lang="fr-FR" sz="4000" b="1" dirty="0">
                 <a:solidFill>
                   <a:schemeClr val="bg1"/>
                 </a:solidFill>
@@ -3143,7 +3143,7 @@
               <a:t> </a:t>
             </a:r>
             <a:r>
-              <a:rPr lang="fr-FR" sz="4000" b="1" dirty="0" err="1" smtClean="0">
+              <a:rPr lang="fr-FR" sz="4000" b="1" dirty="0" err="1">
                 <a:solidFill>
                   <a:schemeClr val="bg1"/>
                 </a:solidFill>
@@ -3151,7 +3151,7 @@
               <a:t>Mpanazava</a:t>
             </a:r>
             <a:r>
-              <a:rPr lang="fr-FR" sz="4000" b="1" dirty="0" smtClean="0">
+              <a:rPr lang="fr-FR" sz="4000" b="1" dirty="0">
                 <a:solidFill>
                   <a:schemeClr val="bg1"/>
                 </a:solidFill>
@@ -3189,7 +3189,7 @@
           <a:p>
             <a:pPr algn="ctr"/>
             <a:r>
-              <a:rPr lang="fi-FI" sz="11500" b="1" dirty="0" smtClean="0">
+              <a:rPr lang="fi-FI" sz="11500" b="1" dirty="0">
                 <a:solidFill>
                   <a:schemeClr val="bg1"/>
                 </a:solidFill>
@@ -3237,8 +3237,8 @@
         </p:nvSpPr>
         <p:spPr>
           <a:xfrm>
-            <a:off x="0" y="44082"/>
-            <a:ext cx="9144000" cy="5078313"/>
+            <a:off x="0" y="279683"/>
+            <a:ext cx="9144000" cy="4524315"/>
           </a:xfrm>
           <a:prstGeom prst="rect">
             <a:avLst/>
@@ -3250,13 +3250,9 @@
           </a:bodyPr>
           <a:lstStyle/>
           <a:p>
-            <a:pPr algn="ctr">
-              <a:lnSpc>
-                <a:spcPct val="150000"/>
-              </a:lnSpc>
-            </a:pPr>
-            <a:r>
-              <a:rPr lang="fr-FR" sz="3600" b="1" dirty="0" smtClean="0">
+            <a:pPr algn="ctr"/>
+            <a:r>
+              <a:rPr lang="fr-FR" sz="4800" b="1" dirty="0">
                 <a:solidFill>
                   <a:schemeClr val="bg1"/>
                 </a:solidFill>
@@ -3264,7 +3260,7 @@
               <a:t>1. </a:t>
             </a:r>
             <a:r>
-              <a:rPr lang="fr-FR" sz="3600" b="1" dirty="0" err="1" smtClean="0">
+              <a:rPr lang="fr-FR" sz="4800" b="1" dirty="0" err="1">
                 <a:solidFill>
                   <a:schemeClr val="bg1"/>
                 </a:solidFill>
@@ -3272,7 +3268,7 @@
               <a:t>Ry</a:t>
             </a:r>
             <a:r>
-              <a:rPr lang="fr-FR" sz="3600" b="1" dirty="0" smtClean="0">
+              <a:rPr lang="fr-FR" sz="4800" b="1" dirty="0">
                 <a:solidFill>
                   <a:schemeClr val="bg1"/>
                 </a:solidFill>
@@ -3280,7 +3276,7 @@
               <a:t> </a:t>
             </a:r>
             <a:r>
-              <a:rPr lang="fr-FR" sz="3600" b="1" dirty="0" err="1" smtClean="0">
+              <a:rPr lang="fr-FR" sz="4800" b="1" dirty="0" err="1">
                 <a:solidFill>
                   <a:schemeClr val="bg1"/>
                 </a:solidFill>
@@ -3288,7 +3284,7 @@
               <a:t>Fanahy</a:t>
             </a:r>
             <a:r>
-              <a:rPr lang="fr-FR" sz="3600" b="1" dirty="0" smtClean="0">
+              <a:rPr lang="fr-FR" sz="4800" b="1" dirty="0">
                 <a:solidFill>
                   <a:schemeClr val="bg1"/>
                 </a:solidFill>
@@ -3296,7 +3292,7 @@
               <a:t> </a:t>
             </a:r>
             <a:r>
-              <a:rPr lang="fr-FR" sz="3600" b="1" dirty="0" err="1" smtClean="0">
+              <a:rPr lang="fr-FR" sz="4800" b="1" dirty="0" err="1">
                 <a:solidFill>
                   <a:schemeClr val="bg1"/>
                 </a:solidFill>
@@ -3304,7 +3300,7 @@
               <a:t>Mpanazava</a:t>
             </a:r>
             <a:r>
-              <a:rPr lang="fr-FR" sz="3600" b="1" dirty="0" smtClean="0">
+              <a:rPr lang="fr-FR" sz="4800" b="1" dirty="0">
                 <a:solidFill>
                   <a:schemeClr val="bg1"/>
                 </a:solidFill>
@@ -3313,13 +3309,9 @@
             </a:r>
           </a:p>
           <a:p>
-            <a:pPr algn="ctr">
-              <a:lnSpc>
-                <a:spcPct val="150000"/>
-              </a:lnSpc>
-            </a:pPr>
-            <a:r>
-              <a:rPr lang="fr-FR" sz="3600" b="1" dirty="0" err="1" smtClean="0">
+            <a:pPr algn="ctr"/>
+            <a:r>
+              <a:rPr lang="fr-FR" sz="4800" b="1" dirty="0" err="1">
                 <a:solidFill>
                   <a:schemeClr val="bg1"/>
                 </a:solidFill>
@@ -3327,7 +3319,7 @@
               <a:t>Mitariha</a:t>
             </a:r>
             <a:r>
-              <a:rPr lang="fr-FR" sz="3600" b="1" dirty="0" smtClean="0">
+              <a:rPr lang="fr-FR" sz="4800" b="1" dirty="0">
                 <a:solidFill>
                   <a:schemeClr val="bg1"/>
                 </a:solidFill>
@@ -3335,7 +3327,7 @@
               <a:t> </a:t>
             </a:r>
             <a:r>
-              <a:rPr lang="fr-FR" sz="3600" b="1" dirty="0" err="1" smtClean="0">
+              <a:rPr lang="fr-FR" sz="4800" b="1" dirty="0" err="1">
                 <a:solidFill>
                   <a:schemeClr val="bg1"/>
                 </a:solidFill>
@@ -3343,7 +3335,7 @@
               <a:t>anay</a:t>
             </a:r>
             <a:r>
-              <a:rPr lang="fr-FR" sz="3600" b="1" dirty="0" smtClean="0">
+              <a:rPr lang="fr-FR" sz="4800" b="1" dirty="0">
                 <a:solidFill>
                   <a:schemeClr val="bg1"/>
                 </a:solidFill>
@@ -3351,7 +3343,7 @@
               <a:t> </a:t>
             </a:r>
             <a:r>
-              <a:rPr lang="fr-FR" sz="3600" b="1" dirty="0" err="1" smtClean="0">
+              <a:rPr lang="fr-FR" sz="4800" b="1" dirty="0" err="1">
                 <a:solidFill>
                   <a:schemeClr val="bg1"/>
                 </a:solidFill>
@@ -3359,7 +3351,7 @@
               <a:t>izao</a:t>
             </a:r>
             <a:r>
-              <a:rPr lang="fr-FR" sz="3600" b="1" dirty="0" smtClean="0">
+              <a:rPr lang="fr-FR" sz="4800" b="1" dirty="0">
                 <a:solidFill>
                   <a:schemeClr val="bg1"/>
                 </a:solidFill>
@@ -3368,13 +3360,9 @@
             </a:r>
           </a:p>
           <a:p>
-            <a:pPr algn="ctr">
-              <a:lnSpc>
-                <a:spcPct val="150000"/>
-              </a:lnSpc>
-            </a:pPr>
-            <a:r>
-              <a:rPr lang="fr-FR" sz="3600" b="1" dirty="0" err="1" smtClean="0">
+            <a:pPr algn="ctr"/>
+            <a:r>
+              <a:rPr lang="fr-FR" sz="4800" b="1" dirty="0" err="1">
                 <a:solidFill>
                   <a:schemeClr val="bg1"/>
                 </a:solidFill>
@@ -3382,7 +3370,7 @@
               <a:t>Hianaranay</a:t>
             </a:r>
             <a:r>
-              <a:rPr lang="fr-FR" sz="3600" b="1" dirty="0" smtClean="0">
+              <a:rPr lang="fr-FR" sz="4800" b="1" dirty="0">
                 <a:solidFill>
                   <a:schemeClr val="bg1"/>
                 </a:solidFill>
@@ -3390,7 +3378,7 @@
               <a:t> </a:t>
             </a:r>
             <a:r>
-              <a:rPr lang="fr-FR" sz="3600" b="1" dirty="0" err="1" smtClean="0">
+              <a:rPr lang="fr-FR" sz="4800" b="1" dirty="0" err="1">
                 <a:solidFill>
                   <a:schemeClr val="bg1"/>
                 </a:solidFill>
@@ -3398,7 +3386,7 @@
               <a:t>ny</a:t>
             </a:r>
             <a:r>
-              <a:rPr lang="fr-FR" sz="3600" b="1" dirty="0" smtClean="0">
+              <a:rPr lang="fr-FR" sz="4800" b="1" dirty="0">
                 <a:solidFill>
                   <a:schemeClr val="bg1"/>
                 </a:solidFill>
@@ -3406,27 +3394,23 @@
               <a:t> </a:t>
             </a:r>
             <a:r>
-              <a:rPr lang="fr-FR" sz="3600" b="1" dirty="0" err="1" smtClean="0">
+              <a:rPr lang="fr-FR" sz="4800" b="1" dirty="0" err="1">
                 <a:solidFill>
                   <a:schemeClr val="bg1"/>
                 </a:solidFill>
               </a:rPr>
               <a:t>teny</a:t>
             </a:r>
-            <a:endParaRPr lang="fr-FR" sz="3600" b="1" dirty="0" smtClean="0">
+            <a:endParaRPr lang="fr-FR" sz="4800" b="1" dirty="0">
               <a:solidFill>
                 <a:schemeClr val="bg1"/>
               </a:solidFill>
             </a:endParaRPr>
           </a:p>
           <a:p>
-            <a:pPr algn="ctr">
-              <a:lnSpc>
-                <a:spcPct val="150000"/>
-              </a:lnSpc>
-            </a:pPr>
-            <a:r>
-              <a:rPr lang="fr-FR" sz="3600" b="1" dirty="0" smtClean="0">
+            <a:pPr algn="ctr"/>
+            <a:r>
+              <a:rPr lang="fr-FR" sz="4800" b="1" dirty="0">
                 <a:solidFill>
                   <a:schemeClr val="bg1"/>
                 </a:solidFill>
@@ -3434,7 +3418,7 @@
               <a:t>Zay </a:t>
             </a:r>
             <a:r>
-              <a:rPr lang="fr-FR" sz="3600" b="1" dirty="0" err="1" smtClean="0">
+              <a:rPr lang="fr-FR" sz="4800" b="1" dirty="0" err="1">
                 <a:solidFill>
                   <a:schemeClr val="bg1"/>
                 </a:solidFill>
@@ -3442,7 +3426,7 @@
               <a:t>nampanoratinao</a:t>
             </a:r>
             <a:r>
-              <a:rPr lang="fr-FR" sz="3600" b="1" dirty="0" smtClean="0">
+              <a:rPr lang="fr-FR" sz="4800" b="1" dirty="0">
                 <a:solidFill>
                   <a:schemeClr val="bg1"/>
                 </a:solidFill>
@@ -3451,13 +3435,9 @@
             </a:r>
           </a:p>
           <a:p>
-            <a:pPr algn="ctr">
-              <a:lnSpc>
-                <a:spcPct val="150000"/>
-              </a:lnSpc>
-            </a:pPr>
-            <a:r>
-              <a:rPr lang="fr-FR" sz="3600" b="1" dirty="0" smtClean="0">
+            <a:pPr algn="ctr"/>
+            <a:r>
+              <a:rPr lang="fr-FR" sz="4800" b="1" dirty="0">
                 <a:solidFill>
                   <a:schemeClr val="bg1"/>
                 </a:solidFill>
@@ -3465,7 +3445,7 @@
               <a:t>:.: Dia </a:t>
             </a:r>
             <a:r>
-              <a:rPr lang="fr-FR" sz="3600" b="1" dirty="0" err="1" smtClean="0">
+              <a:rPr lang="fr-FR" sz="4800" b="1" dirty="0" err="1">
                 <a:solidFill>
                   <a:schemeClr val="bg1"/>
                 </a:solidFill>
@@ -3473,7 +3453,7 @@
               <a:t>hifaly</a:t>
             </a:r>
             <a:r>
-              <a:rPr lang="fr-FR" sz="3600" b="1" dirty="0" smtClean="0">
+              <a:rPr lang="fr-FR" sz="4800" b="1" dirty="0">
                 <a:solidFill>
                   <a:schemeClr val="bg1"/>
                 </a:solidFill>
@@ -3482,13 +3462,9 @@
             </a:r>
           </a:p>
           <a:p>
-            <a:pPr algn="ctr">
-              <a:lnSpc>
-                <a:spcPct val="150000"/>
-              </a:lnSpc>
-            </a:pPr>
-            <a:r>
-              <a:rPr lang="fr-FR" sz="3600" b="1" dirty="0" err="1" smtClean="0">
+            <a:pPr algn="ctr"/>
+            <a:r>
+              <a:rPr lang="fr-FR" sz="4800" b="1" dirty="0" err="1">
                 <a:solidFill>
                   <a:schemeClr val="bg1"/>
                 </a:solidFill>
@@ -3496,7 +3472,7 @@
               <a:t>Izahay</a:t>
             </a:r>
             <a:r>
-              <a:rPr lang="fr-FR" sz="3600" b="1" dirty="0" smtClean="0">
+              <a:rPr lang="fr-FR" sz="4800" b="1" dirty="0">
                 <a:solidFill>
                   <a:schemeClr val="bg1"/>
                 </a:solidFill>
@@ -3504,7 +3480,7 @@
               <a:t> </a:t>
             </a:r>
             <a:r>
-              <a:rPr lang="fr-FR" sz="3600" b="1" dirty="0" err="1" smtClean="0">
+              <a:rPr lang="fr-FR" sz="4800" b="1" dirty="0" err="1">
                 <a:solidFill>
                   <a:schemeClr val="bg1"/>
                 </a:solidFill>
@@ -3512,18 +3488,13 @@
               <a:t>tarihinao</a:t>
             </a:r>
             <a:r>
-              <a:rPr lang="fr-FR" sz="3600" b="1" dirty="0" smtClean="0">
+              <a:rPr lang="fr-FR" sz="4800" b="1" dirty="0">
                 <a:solidFill>
                   <a:schemeClr val="bg1"/>
                 </a:solidFill>
               </a:rPr>
               <a:t>:.:</a:t>
             </a:r>
-            <a:endParaRPr lang="fr-FR" sz="3600" b="1" dirty="0">
-              <a:solidFill>
-                <a:schemeClr val="bg1"/>
-              </a:solidFill>
-            </a:endParaRPr>
           </a:p>
         </p:txBody>
       </p:sp>
@@ -3560,8 +3531,8 @@
         </p:nvSpPr>
         <p:spPr>
           <a:xfrm>
-            <a:off x="0" y="0"/>
-            <a:ext cx="9144000" cy="5078313"/>
+            <a:off x="0" y="207675"/>
+            <a:ext cx="9144000" cy="4524315"/>
           </a:xfrm>
           <a:prstGeom prst="rect">
             <a:avLst/>
@@ -3573,13 +3544,9 @@
           </a:bodyPr>
           <a:lstStyle/>
           <a:p>
-            <a:pPr algn="ctr">
-              <a:lnSpc>
-                <a:spcPct val="150000"/>
-              </a:lnSpc>
-            </a:pPr>
-            <a:r>
-              <a:rPr lang="fr-FR" sz="3600" b="1" dirty="0" smtClean="0">
+            <a:pPr algn="ctr"/>
+            <a:r>
+              <a:rPr lang="fr-FR" sz="4800" b="1" dirty="0">
                 <a:solidFill>
                   <a:schemeClr val="bg1"/>
                 </a:solidFill>
@@ -3587,7 +3554,7 @@
               <a:t>2. </a:t>
             </a:r>
             <a:r>
-              <a:rPr lang="fr-FR" sz="3600" b="1" dirty="0" err="1" smtClean="0">
+              <a:rPr lang="fr-FR" sz="4800" b="1" dirty="0" err="1">
                 <a:solidFill>
                   <a:schemeClr val="bg1"/>
                 </a:solidFill>
@@ -3595,7 +3562,7 @@
               <a:t>Ry</a:t>
             </a:r>
             <a:r>
-              <a:rPr lang="fr-FR" sz="3600" b="1" dirty="0" smtClean="0">
+              <a:rPr lang="fr-FR" sz="4800" b="1" dirty="0">
                 <a:solidFill>
                   <a:schemeClr val="bg1"/>
                 </a:solidFill>
@@ -3603,7 +3570,7 @@
               <a:t> </a:t>
             </a:r>
             <a:r>
-              <a:rPr lang="fr-FR" sz="3600" b="1" dirty="0" err="1" smtClean="0">
+              <a:rPr lang="fr-FR" sz="4800" b="1" dirty="0" err="1">
                 <a:solidFill>
                   <a:schemeClr val="bg1"/>
                 </a:solidFill>
@@ -3611,7 +3578,7 @@
               <a:t>Fanahy</a:t>
             </a:r>
             <a:r>
-              <a:rPr lang="fr-FR" sz="3600" b="1" dirty="0" smtClean="0">
+              <a:rPr lang="fr-FR" sz="4800" b="1" dirty="0">
                 <a:solidFill>
                   <a:schemeClr val="bg1"/>
                 </a:solidFill>
@@ -3619,7 +3586,7 @@
               <a:t> </a:t>
             </a:r>
             <a:r>
-              <a:rPr lang="fr-FR" sz="3600" b="1" dirty="0" err="1" smtClean="0">
+              <a:rPr lang="fr-FR" sz="4800" b="1" dirty="0" err="1">
                 <a:solidFill>
                   <a:schemeClr val="bg1"/>
                 </a:solidFill>
@@ -3627,7 +3594,7 @@
               <a:t>Mpanazava</a:t>
             </a:r>
             <a:r>
-              <a:rPr lang="fr-FR" sz="3600" b="1" dirty="0" smtClean="0">
+              <a:rPr lang="fr-FR" sz="4800" b="1" dirty="0">
                 <a:solidFill>
                   <a:schemeClr val="bg1"/>
                 </a:solidFill>
@@ -3636,13 +3603,9 @@
             </a:r>
           </a:p>
           <a:p>
-            <a:pPr algn="ctr">
-              <a:lnSpc>
-                <a:spcPct val="150000"/>
-              </a:lnSpc>
-            </a:pPr>
-            <a:r>
-              <a:rPr lang="fr-FR" sz="3600" b="1" dirty="0" err="1" smtClean="0">
+            <a:pPr algn="ctr"/>
+            <a:r>
+              <a:rPr lang="fr-FR" sz="4800" b="1" dirty="0" err="1">
                 <a:solidFill>
                   <a:schemeClr val="bg1"/>
                 </a:solidFill>
@@ -3650,7 +3613,7 @@
               <a:t>Maminay</a:t>
             </a:r>
             <a:r>
-              <a:rPr lang="fr-FR" sz="3600" b="1" dirty="0" smtClean="0">
+              <a:rPr lang="fr-FR" sz="4800" b="1" dirty="0">
                 <a:solidFill>
                   <a:schemeClr val="bg1"/>
                 </a:solidFill>
@@ -3658,7 +3621,7 @@
               <a:t> </a:t>
             </a:r>
             <a:r>
-              <a:rPr lang="fr-FR" sz="3600" b="1" dirty="0" err="1" smtClean="0">
+              <a:rPr lang="fr-FR" sz="4800" b="1" dirty="0" err="1">
                 <a:solidFill>
                   <a:schemeClr val="bg1"/>
                 </a:solidFill>
@@ -3666,7 +3629,7 @@
               <a:t>ny</a:t>
             </a:r>
             <a:r>
-              <a:rPr lang="fr-FR" sz="3600" b="1" dirty="0" smtClean="0">
+              <a:rPr lang="fr-FR" sz="4800" b="1" dirty="0">
                 <a:solidFill>
                   <a:schemeClr val="bg1"/>
                 </a:solidFill>
@@ -3674,7 +3637,7 @@
               <a:t> </a:t>
             </a:r>
             <a:r>
-              <a:rPr lang="fr-FR" sz="3600" b="1" dirty="0" err="1" smtClean="0">
+              <a:rPr lang="fr-FR" sz="4800" b="1" dirty="0" err="1">
                 <a:solidFill>
                   <a:schemeClr val="bg1"/>
                 </a:solidFill>
@@ -3682,7 +3645,7 @@
               <a:t>anatrao</a:t>
             </a:r>
             <a:r>
-              <a:rPr lang="fr-FR" sz="3600" b="1" dirty="0" smtClean="0">
+              <a:rPr lang="fr-FR" sz="4800" b="1" dirty="0">
                 <a:solidFill>
                   <a:schemeClr val="bg1"/>
                 </a:solidFill>
@@ -3691,13 +3654,9 @@
             </a:r>
           </a:p>
           <a:p>
-            <a:pPr algn="ctr">
-              <a:lnSpc>
-                <a:spcPct val="150000"/>
-              </a:lnSpc>
-            </a:pPr>
-            <a:r>
-              <a:rPr lang="fr-FR" sz="3600" b="1" dirty="0" smtClean="0">
+            <a:pPr algn="ctr"/>
+            <a:r>
+              <a:rPr lang="fr-FR" sz="4800" b="1" dirty="0">
                 <a:solidFill>
                   <a:schemeClr val="bg1"/>
                 </a:solidFill>
@@ -3705,7 +3664,7 @@
               <a:t>Fa </a:t>
             </a:r>
             <a:r>
-              <a:rPr lang="fr-FR" sz="3600" b="1" dirty="0" err="1" smtClean="0">
+              <a:rPr lang="fr-FR" sz="4800" b="1" dirty="0" err="1">
                 <a:solidFill>
                   <a:schemeClr val="bg1"/>
                 </a:solidFill>
@@ -3713,7 +3672,7 @@
               <a:t>matanjaka</a:t>
             </a:r>
             <a:r>
-              <a:rPr lang="fr-FR" sz="3600" b="1" dirty="0" smtClean="0">
+              <a:rPr lang="fr-FR" sz="4800" b="1" dirty="0">
                 <a:solidFill>
                   <a:schemeClr val="bg1"/>
                 </a:solidFill>
@@ -3721,7 +3680,7 @@
               <a:t> </a:t>
             </a:r>
             <a:r>
-              <a:rPr lang="fr-FR" sz="3600" b="1" dirty="0" err="1" smtClean="0">
+              <a:rPr lang="fr-FR" sz="4800" b="1" dirty="0" err="1">
                 <a:solidFill>
                   <a:schemeClr val="bg1"/>
                 </a:solidFill>
@@ -3729,7 +3688,7 @@
               <a:t>sy</a:t>
             </a:r>
             <a:r>
-              <a:rPr lang="fr-FR" sz="3600" b="1" dirty="0" smtClean="0">
+              <a:rPr lang="fr-FR" sz="4800" b="1" dirty="0">
                 <a:solidFill>
                   <a:schemeClr val="bg1"/>
                 </a:solidFill>
@@ -3737,27 +3696,23 @@
               <a:t> </a:t>
             </a:r>
             <a:r>
-              <a:rPr lang="fr-FR" sz="3600" b="1" dirty="0" err="1" smtClean="0">
+              <a:rPr lang="fr-FR" sz="4800" b="1" dirty="0" err="1">
                 <a:solidFill>
                   <a:schemeClr val="bg1"/>
                 </a:solidFill>
               </a:rPr>
               <a:t>hendry</a:t>
             </a:r>
-            <a:endParaRPr lang="fr-FR" sz="3600" b="1" dirty="0" smtClean="0">
+            <a:endParaRPr lang="fr-FR" sz="4800" b="1" dirty="0">
               <a:solidFill>
                 <a:schemeClr val="bg1"/>
               </a:solidFill>
             </a:endParaRPr>
           </a:p>
           <a:p>
-            <a:pPr algn="ctr">
-              <a:lnSpc>
-                <a:spcPct val="150000"/>
-              </a:lnSpc>
-            </a:pPr>
-            <a:r>
-              <a:rPr lang="fr-FR" sz="3600" b="1" dirty="0" smtClean="0">
+            <a:pPr algn="ctr"/>
+            <a:r>
+              <a:rPr lang="fr-FR" sz="4800" b="1" dirty="0">
                 <a:solidFill>
                   <a:schemeClr val="bg1"/>
                 </a:solidFill>
@@ -3765,7 +3720,7 @@
               <a:t>'Zay </a:t>
             </a:r>
             <a:r>
-              <a:rPr lang="fr-FR" sz="3600" b="1" dirty="0" err="1" smtClean="0">
+              <a:rPr lang="fr-FR" sz="4800" b="1" dirty="0" err="1">
                 <a:solidFill>
                   <a:schemeClr val="bg1"/>
                 </a:solidFill>
@@ -3773,7 +3728,7 @@
               <a:t>ampianarinao</a:t>
             </a:r>
             <a:r>
-              <a:rPr lang="fr-FR" sz="3600" b="1" dirty="0" smtClean="0">
+              <a:rPr lang="fr-FR" sz="4800" b="1" dirty="0">
                 <a:solidFill>
                   <a:schemeClr val="bg1"/>
                 </a:solidFill>
@@ -3782,13 +3737,9 @@
             </a:r>
           </a:p>
           <a:p>
-            <a:pPr algn="ctr">
-              <a:lnSpc>
-                <a:spcPct val="150000"/>
-              </a:lnSpc>
-            </a:pPr>
-            <a:r>
-              <a:rPr lang="fr-FR" sz="3600" b="1" dirty="0" smtClean="0">
+            <a:pPr algn="ctr"/>
+            <a:r>
+              <a:rPr lang="fr-FR" sz="4800" b="1" dirty="0">
                 <a:solidFill>
                   <a:schemeClr val="bg1"/>
                 </a:solidFill>
@@ -3796,27 +3747,23 @@
               <a:t>:,: </a:t>
             </a:r>
             <a:r>
-              <a:rPr lang="fr-FR" sz="3600" b="1" dirty="0" err="1" smtClean="0">
+              <a:rPr lang="fr-FR" sz="4800" b="1" dirty="0" err="1">
                 <a:solidFill>
                   <a:schemeClr val="bg1"/>
                 </a:solidFill>
               </a:rPr>
               <a:t>Hatanjaho</a:t>
             </a:r>
-            <a:endParaRPr lang="fr-FR" sz="3600" b="1" dirty="0" smtClean="0">
+            <a:endParaRPr lang="fr-FR" sz="4800" b="1" dirty="0">
               <a:solidFill>
                 <a:schemeClr val="bg1"/>
               </a:solidFill>
             </a:endParaRPr>
           </a:p>
           <a:p>
-            <a:pPr algn="ctr">
-              <a:lnSpc>
-                <a:spcPct val="150000"/>
-              </a:lnSpc>
-            </a:pPr>
-            <a:r>
-              <a:rPr lang="fr-FR" sz="3600" b="1" dirty="0" err="1" smtClean="0">
+            <a:pPr algn="ctr"/>
+            <a:r>
+              <a:rPr lang="fr-FR" sz="4800" b="1" dirty="0" err="1">
                 <a:solidFill>
                   <a:schemeClr val="bg1"/>
                 </a:solidFill>
@@ -3824,7 +3771,7 @@
               <a:t>Izahay</a:t>
             </a:r>
             <a:r>
-              <a:rPr lang="fr-FR" sz="3600" b="1" dirty="0" smtClean="0">
+              <a:rPr lang="fr-FR" sz="4800" b="1" dirty="0">
                 <a:solidFill>
                   <a:schemeClr val="bg1"/>
                 </a:solidFill>
@@ -3832,7 +3779,7 @@
               <a:t> </a:t>
             </a:r>
             <a:r>
-              <a:rPr lang="fr-FR" sz="3600" b="1" dirty="0" err="1" smtClean="0">
+              <a:rPr lang="fr-FR" sz="4800" b="1" dirty="0" err="1">
                 <a:solidFill>
                   <a:schemeClr val="bg1"/>
                 </a:solidFill>
@@ -3840,18 +3787,13 @@
               <a:t>mpianatrao</a:t>
             </a:r>
             <a:r>
-              <a:rPr lang="fr-FR" sz="3600" b="1" dirty="0" smtClean="0">
+              <a:rPr lang="fr-FR" sz="4800" b="1" dirty="0">
                 <a:solidFill>
                   <a:schemeClr val="bg1"/>
                 </a:solidFill>
               </a:rPr>
               <a:t> :,:</a:t>
             </a:r>
-            <a:endParaRPr lang="fr-FR" sz="3600" b="1" dirty="0">
-              <a:solidFill>
-                <a:schemeClr val="bg1"/>
-              </a:solidFill>
-            </a:endParaRPr>
           </a:p>
         </p:txBody>
       </p:sp>
@@ -3888,8 +3830,8 @@
         </p:nvSpPr>
         <p:spPr>
           <a:xfrm>
-            <a:off x="0" y="22438"/>
-            <a:ext cx="9144000" cy="5078313"/>
+            <a:off x="0" y="267494"/>
+            <a:ext cx="9144000" cy="4524315"/>
           </a:xfrm>
           <a:prstGeom prst="rect">
             <a:avLst/>
@@ -3901,13 +3843,9 @@
           </a:bodyPr>
           <a:lstStyle/>
           <a:p>
-            <a:pPr algn="ctr">
-              <a:lnSpc>
-                <a:spcPct val="150000"/>
-              </a:lnSpc>
-            </a:pPr>
-            <a:r>
-              <a:rPr lang="fr-FR" sz="3600" b="1" dirty="0" smtClean="0">
+            <a:pPr algn="ctr"/>
+            <a:r>
+              <a:rPr lang="fr-FR" sz="4800" b="1" dirty="0">
                 <a:solidFill>
                   <a:schemeClr val="bg1"/>
                 </a:solidFill>
@@ -3915,7 +3853,7 @@
               <a:t>3. </a:t>
             </a:r>
             <a:r>
-              <a:rPr lang="fr-FR" sz="3600" b="1" dirty="0" err="1" smtClean="0">
+              <a:rPr lang="fr-FR" sz="4800" b="1" dirty="0" err="1">
                 <a:solidFill>
                   <a:schemeClr val="bg1"/>
                 </a:solidFill>
@@ -3923,7 +3861,7 @@
               <a:t>Ry</a:t>
             </a:r>
             <a:r>
-              <a:rPr lang="fr-FR" sz="3600" b="1" dirty="0" smtClean="0">
+              <a:rPr lang="fr-FR" sz="4800" b="1" dirty="0">
                 <a:solidFill>
                   <a:schemeClr val="bg1"/>
                 </a:solidFill>
@@ -3931,7 +3869,7 @@
               <a:t> </a:t>
             </a:r>
             <a:r>
-              <a:rPr lang="fr-FR" sz="3600" b="1" dirty="0" err="1" smtClean="0">
+              <a:rPr lang="fr-FR" sz="4800" b="1" dirty="0" err="1">
                 <a:solidFill>
                   <a:schemeClr val="bg1"/>
                 </a:solidFill>
@@ -3939,7 +3877,7 @@
               <a:t>Fanahy</a:t>
             </a:r>
             <a:r>
-              <a:rPr lang="fr-FR" sz="3600" b="1" dirty="0" smtClean="0">
+              <a:rPr lang="fr-FR" sz="4800" b="1" dirty="0">
                 <a:solidFill>
                   <a:schemeClr val="bg1"/>
                 </a:solidFill>
@@ -3947,7 +3885,7 @@
               <a:t> </a:t>
             </a:r>
             <a:r>
-              <a:rPr lang="fr-FR" sz="3600" b="1" dirty="0" err="1" smtClean="0">
+              <a:rPr lang="fr-FR" sz="4800" b="1" dirty="0" err="1">
                 <a:solidFill>
                   <a:schemeClr val="bg1"/>
                 </a:solidFill>
@@ -3955,7 +3893,7 @@
               <a:t>Mpanazava</a:t>
             </a:r>
             <a:r>
-              <a:rPr lang="fr-FR" sz="3600" b="1" dirty="0" smtClean="0">
+              <a:rPr lang="fr-FR" sz="4800" b="1" dirty="0">
                 <a:solidFill>
                   <a:schemeClr val="bg1"/>
                 </a:solidFill>
@@ -3964,13 +3902,9 @@
             </a:r>
           </a:p>
           <a:p>
-            <a:pPr algn="ctr">
-              <a:lnSpc>
-                <a:spcPct val="150000"/>
-              </a:lnSpc>
-            </a:pPr>
-            <a:r>
-              <a:rPr lang="fr-FR" sz="3600" b="1" dirty="0" err="1" smtClean="0">
+            <a:pPr algn="ctr"/>
+            <a:r>
+              <a:rPr lang="fr-FR" sz="4800" b="1" dirty="0" err="1">
                 <a:solidFill>
                   <a:schemeClr val="bg1"/>
                 </a:solidFill>
@@ -3978,7 +3912,7 @@
               <a:t>Aoka</a:t>
             </a:r>
             <a:r>
-              <a:rPr lang="fr-FR" sz="3600" b="1" dirty="0" smtClean="0">
+              <a:rPr lang="fr-FR" sz="4800" b="1" dirty="0">
                 <a:solidFill>
                   <a:schemeClr val="bg1"/>
                 </a:solidFill>
@@ -3986,7 +3920,7 @@
               <a:t> </a:t>
             </a:r>
             <a:r>
-              <a:rPr lang="fr-FR" sz="3600" b="1" dirty="0" err="1" smtClean="0">
+              <a:rPr lang="fr-FR" sz="4800" b="1" dirty="0" err="1">
                 <a:solidFill>
                   <a:schemeClr val="bg1"/>
                 </a:solidFill>
@@ -3994,7 +3928,7 @@
               <a:t>tsy</a:t>
             </a:r>
             <a:r>
-              <a:rPr lang="fr-FR" sz="3600" b="1" dirty="0" smtClean="0">
+              <a:rPr lang="fr-FR" sz="4800" b="1" dirty="0">
                 <a:solidFill>
                   <a:schemeClr val="bg1"/>
                 </a:solidFill>
@@ -4002,7 +3936,7 @@
               <a:t> </a:t>
             </a:r>
             <a:r>
-              <a:rPr lang="fr-FR" sz="3600" b="1" dirty="0" err="1" smtClean="0">
+              <a:rPr lang="fr-FR" sz="4800" b="1" dirty="0" err="1">
                 <a:solidFill>
                   <a:schemeClr val="bg1"/>
                 </a:solidFill>
@@ -4010,7 +3944,7 @@
               <a:t>hangia</a:t>
             </a:r>
             <a:r>
-              <a:rPr lang="fr-FR" sz="3600" b="1" dirty="0" smtClean="0">
+              <a:rPr lang="fr-FR" sz="4800" b="1" dirty="0">
                 <a:solidFill>
                   <a:schemeClr val="bg1"/>
                 </a:solidFill>
@@ -4018,27 +3952,23 @@
               <a:t> </a:t>
             </a:r>
             <a:r>
-              <a:rPr lang="fr-FR" sz="3600" b="1" dirty="0" err="1" smtClean="0">
+              <a:rPr lang="fr-FR" sz="4800" b="1" dirty="0" err="1">
                 <a:solidFill>
                   <a:schemeClr val="bg1"/>
                 </a:solidFill>
               </a:rPr>
               <a:t>anay</a:t>
             </a:r>
-            <a:endParaRPr lang="fr-FR" sz="3600" b="1" dirty="0" smtClean="0">
+            <a:endParaRPr lang="fr-FR" sz="4800" b="1" dirty="0">
               <a:solidFill>
                 <a:schemeClr val="bg1"/>
               </a:solidFill>
             </a:endParaRPr>
           </a:p>
           <a:p>
-            <a:pPr algn="ctr">
-              <a:lnSpc>
-                <a:spcPct val="150000"/>
-              </a:lnSpc>
-            </a:pPr>
-            <a:r>
-              <a:rPr lang="fr-FR" sz="3600" b="1" dirty="0" err="1" smtClean="0">
+            <a:pPr algn="ctr"/>
+            <a:r>
+              <a:rPr lang="fr-FR" sz="4800" b="1" dirty="0" err="1">
                 <a:solidFill>
                   <a:schemeClr val="bg1"/>
                 </a:solidFill>
@@ -4046,7 +3976,7 @@
               <a:t>Ny</a:t>
             </a:r>
             <a:r>
-              <a:rPr lang="fr-FR" sz="3600" b="1" dirty="0" smtClean="0">
+              <a:rPr lang="fr-FR" sz="4800" b="1" dirty="0">
                 <a:solidFill>
                   <a:schemeClr val="bg1"/>
                 </a:solidFill>
@@ -4054,7 +3984,7 @@
               <a:t> </a:t>
             </a:r>
             <a:r>
-              <a:rPr lang="fr-FR" sz="3600" b="1" dirty="0" err="1" smtClean="0">
+              <a:rPr lang="fr-FR" sz="4800" b="1" dirty="0" err="1">
                 <a:solidFill>
                   <a:schemeClr val="bg1"/>
                 </a:solidFill>
@@ -4062,7 +3992,7 @@
               <a:t>angano</a:t>
             </a:r>
             <a:r>
-              <a:rPr lang="fr-FR" sz="3600" b="1" dirty="0" smtClean="0">
+              <a:rPr lang="fr-FR" sz="4800" b="1" dirty="0">
                 <a:solidFill>
                   <a:schemeClr val="bg1"/>
                 </a:solidFill>
@@ -4070,7 +4000,7 @@
               <a:t> </a:t>
             </a:r>
             <a:r>
-              <a:rPr lang="fr-FR" sz="3600" b="1" dirty="0" err="1" smtClean="0">
+              <a:rPr lang="fr-FR" sz="4800" b="1" dirty="0" err="1">
                 <a:solidFill>
                   <a:schemeClr val="bg1"/>
                 </a:solidFill>
@@ -4078,7 +4008,7 @@
               <a:t>sy</a:t>
             </a:r>
             <a:r>
-              <a:rPr lang="fr-FR" sz="3600" b="1" dirty="0" smtClean="0">
+              <a:rPr lang="fr-FR" sz="4800" b="1" dirty="0">
                 <a:solidFill>
                   <a:schemeClr val="bg1"/>
                 </a:solidFill>
@@ -4086,27 +4016,23 @@
               <a:t> </a:t>
             </a:r>
             <a:r>
-              <a:rPr lang="fr-FR" sz="3600" b="1" dirty="0" err="1" smtClean="0">
+              <a:rPr lang="fr-FR" sz="4800" b="1" dirty="0" err="1">
                 <a:solidFill>
                   <a:schemeClr val="bg1"/>
                 </a:solidFill>
               </a:rPr>
               <a:t>tantara</a:t>
             </a:r>
-            <a:endParaRPr lang="fr-FR" sz="3600" b="1" dirty="0" smtClean="0">
+            <a:endParaRPr lang="fr-FR" sz="4800" b="1" dirty="0">
               <a:solidFill>
                 <a:schemeClr val="bg1"/>
               </a:solidFill>
             </a:endParaRPr>
           </a:p>
           <a:p>
-            <a:pPr algn="ctr">
-              <a:lnSpc>
-                <a:spcPct val="150000"/>
-              </a:lnSpc>
-            </a:pPr>
-            <a:r>
-              <a:rPr lang="fr-FR" sz="3600" b="1" dirty="0" smtClean="0">
+            <a:pPr algn="ctr"/>
+            <a:r>
+              <a:rPr lang="fr-FR" sz="4800" b="1" dirty="0">
                 <a:solidFill>
                   <a:schemeClr val="bg1"/>
                 </a:solidFill>
@@ -4114,7 +4040,7 @@
               <a:t>'Zay </a:t>
             </a:r>
             <a:r>
-              <a:rPr lang="fr-FR" sz="3600" b="1" dirty="0" err="1" smtClean="0">
+              <a:rPr lang="fr-FR" sz="4800" b="1" dirty="0" err="1">
                 <a:solidFill>
                   <a:schemeClr val="bg1"/>
                 </a:solidFill>
@@ -4122,7 +4048,7 @@
               <a:t>hamily</a:t>
             </a:r>
             <a:r>
-              <a:rPr lang="fr-FR" sz="3600" b="1" dirty="0" smtClean="0">
+              <a:rPr lang="fr-FR" sz="4800" b="1" dirty="0">
                 <a:solidFill>
                   <a:schemeClr val="bg1"/>
                 </a:solidFill>
@@ -4130,7 +4056,7 @@
               <a:t> dia </a:t>
             </a:r>
             <a:r>
-              <a:rPr lang="fr-FR" sz="3600" b="1" dirty="0" err="1" smtClean="0">
+              <a:rPr lang="fr-FR" sz="4800" b="1" dirty="0" err="1">
                 <a:solidFill>
                   <a:schemeClr val="bg1"/>
                 </a:solidFill>
@@ -4138,7 +4064,7 @@
               <a:t>anay</a:t>
             </a:r>
             <a:r>
-              <a:rPr lang="fr-FR" sz="3600" b="1" dirty="0" smtClean="0">
+              <a:rPr lang="fr-FR" sz="4800" b="1" dirty="0">
                 <a:solidFill>
                   <a:schemeClr val="bg1"/>
                 </a:solidFill>
@@ -4147,13 +4073,9 @@
             </a:r>
           </a:p>
           <a:p>
-            <a:pPr algn="ctr">
-              <a:lnSpc>
-                <a:spcPct val="150000"/>
-              </a:lnSpc>
-            </a:pPr>
-            <a:r>
-              <a:rPr lang="fr-FR" sz="3600" b="1" dirty="0" smtClean="0">
+            <a:pPr algn="ctr"/>
+            <a:r>
+              <a:rPr lang="fr-FR" sz="4800" b="1" dirty="0">
                 <a:solidFill>
                   <a:schemeClr val="bg1"/>
                 </a:solidFill>
@@ -4161,7 +4083,7 @@
               <a:t>:,: </a:t>
             </a:r>
             <a:r>
-              <a:rPr lang="fr-FR" sz="3600" b="1" dirty="0" err="1" smtClean="0">
+              <a:rPr lang="fr-FR" sz="4800" b="1" dirty="0" err="1">
                 <a:solidFill>
                   <a:schemeClr val="bg1"/>
                 </a:solidFill>
@@ -4169,7 +4091,7 @@
               <a:t>Mba</a:t>
             </a:r>
             <a:r>
-              <a:rPr lang="fr-FR" sz="3600" b="1" dirty="0" smtClean="0">
+              <a:rPr lang="fr-FR" sz="4800" b="1" dirty="0">
                 <a:solidFill>
                   <a:schemeClr val="bg1"/>
                 </a:solidFill>
@@ -4177,27 +4099,23 @@
               <a:t> </a:t>
             </a:r>
             <a:r>
-              <a:rPr lang="fr-FR" sz="3600" b="1" dirty="0" err="1" smtClean="0">
+              <a:rPr lang="fr-FR" sz="4800" b="1" dirty="0" err="1">
                 <a:solidFill>
                   <a:schemeClr val="bg1"/>
                 </a:solidFill>
               </a:rPr>
               <a:t>sakano</a:t>
             </a:r>
-            <a:endParaRPr lang="fr-FR" sz="3600" b="1" dirty="0" smtClean="0">
+            <a:endParaRPr lang="fr-FR" sz="4800" b="1" dirty="0">
               <a:solidFill>
                 <a:schemeClr val="bg1"/>
               </a:solidFill>
             </a:endParaRPr>
           </a:p>
           <a:p>
-            <a:pPr algn="ctr">
-              <a:lnSpc>
-                <a:spcPct val="150000"/>
-              </a:lnSpc>
-            </a:pPr>
-            <a:r>
-              <a:rPr lang="fr-FR" sz="3600" b="1" dirty="0" err="1" smtClean="0">
+            <a:pPr algn="ctr"/>
+            <a:r>
+              <a:rPr lang="fr-FR" sz="4800" b="1" dirty="0" err="1">
                 <a:solidFill>
                   <a:schemeClr val="bg1"/>
                 </a:solidFill>
@@ -4205,7 +4123,7 @@
               <a:t>Tsy</a:t>
             </a:r>
             <a:r>
-              <a:rPr lang="fr-FR" sz="3600" b="1" dirty="0" smtClean="0">
+              <a:rPr lang="fr-FR" sz="4800" b="1" dirty="0">
                 <a:solidFill>
                   <a:schemeClr val="bg1"/>
                 </a:solidFill>
@@ -4213,7 +4131,7 @@
               <a:t> </a:t>
             </a:r>
             <a:r>
-              <a:rPr lang="fr-FR" sz="3600" b="1" dirty="0" err="1" smtClean="0">
+              <a:rPr lang="fr-FR" sz="4800" b="1" dirty="0" err="1">
                 <a:solidFill>
                   <a:schemeClr val="bg1"/>
                 </a:solidFill>
@@ -4221,7 +4139,7 @@
               <a:t>handavanay</a:t>
             </a:r>
             <a:r>
-              <a:rPr lang="fr-FR" sz="3600" b="1" dirty="0" smtClean="0">
+              <a:rPr lang="fr-FR" sz="4800" b="1" dirty="0">
                 <a:solidFill>
                   <a:schemeClr val="bg1"/>
                 </a:solidFill>
@@ -4229,7 +4147,7 @@
               <a:t> </a:t>
             </a:r>
             <a:r>
-              <a:rPr lang="fr-FR" sz="3600" b="1" dirty="0" err="1" smtClean="0">
+              <a:rPr lang="fr-FR" sz="4800" b="1" dirty="0" err="1">
                 <a:solidFill>
                   <a:schemeClr val="bg1"/>
                 </a:solidFill>
@@ -4237,18 +4155,13 @@
               <a:t>Anao</a:t>
             </a:r>
             <a:r>
-              <a:rPr lang="fr-FR" sz="3600" b="1" dirty="0" smtClean="0">
+              <a:rPr lang="fr-FR" sz="4800" b="1" dirty="0">
                 <a:solidFill>
                   <a:schemeClr val="bg1"/>
                 </a:solidFill>
               </a:rPr>
               <a:t> :.:</a:t>
             </a:r>
-            <a:endParaRPr lang="fr-FR" sz="3600" b="1" dirty="0">
-              <a:solidFill>
-                <a:schemeClr val="bg1"/>
-              </a:solidFill>
-            </a:endParaRPr>
           </a:p>
         </p:txBody>
       </p:sp>
@@ -4285,8 +4198,8 @@
         </p:nvSpPr>
         <p:spPr>
           <a:xfrm>
-            <a:off x="0" y="65187"/>
-            <a:ext cx="9144000" cy="5078313"/>
+            <a:off x="0" y="195486"/>
+            <a:ext cx="9144000" cy="4524315"/>
           </a:xfrm>
           <a:prstGeom prst="rect">
             <a:avLst/>
@@ -4298,13 +4211,9 @@
           </a:bodyPr>
           <a:lstStyle/>
           <a:p>
-            <a:pPr algn="ctr">
-              <a:lnSpc>
-                <a:spcPct val="150000"/>
-              </a:lnSpc>
-            </a:pPr>
-            <a:r>
-              <a:rPr lang="fr-FR" sz="3600" b="1" dirty="0" smtClean="0">
+            <a:pPr algn="ctr"/>
+            <a:r>
+              <a:rPr lang="fr-FR" sz="4800" b="1" dirty="0">
                 <a:solidFill>
                   <a:schemeClr val="bg1"/>
                 </a:solidFill>
@@ -4312,7 +4221,7 @@
               <a:t>4. </a:t>
             </a:r>
             <a:r>
-              <a:rPr lang="fr-FR" sz="3600" b="1" dirty="0" err="1" smtClean="0">
+              <a:rPr lang="fr-FR" sz="4800" b="1" dirty="0" err="1">
                 <a:solidFill>
                   <a:schemeClr val="bg1"/>
                 </a:solidFill>
@@ -4320,7 +4229,7 @@
               <a:t>Ry</a:t>
             </a:r>
             <a:r>
-              <a:rPr lang="fr-FR" sz="3600" b="1" dirty="0" smtClean="0">
+              <a:rPr lang="fr-FR" sz="4800" b="1" dirty="0">
                 <a:solidFill>
                   <a:schemeClr val="bg1"/>
                 </a:solidFill>
@@ -4328,7 +4237,7 @@
               <a:t> </a:t>
             </a:r>
             <a:r>
-              <a:rPr lang="fr-FR" sz="3600" b="1" dirty="0" err="1" smtClean="0">
+              <a:rPr lang="fr-FR" sz="4800" b="1" dirty="0" err="1">
                 <a:solidFill>
                   <a:schemeClr val="bg1"/>
                 </a:solidFill>
@@ -4336,7 +4245,7 @@
               <a:t>Fanahy</a:t>
             </a:r>
             <a:r>
-              <a:rPr lang="fr-FR" sz="3600" b="1" dirty="0" smtClean="0">
+              <a:rPr lang="fr-FR" sz="4800" b="1" dirty="0">
                 <a:solidFill>
                   <a:schemeClr val="bg1"/>
                 </a:solidFill>
@@ -4344,7 +4253,7 @@
               <a:t> </a:t>
             </a:r>
             <a:r>
-              <a:rPr lang="fr-FR" sz="3600" b="1" dirty="0" err="1" smtClean="0">
+              <a:rPr lang="fr-FR" sz="4800" b="1" dirty="0" err="1">
                 <a:solidFill>
                   <a:schemeClr val="bg1"/>
                 </a:solidFill>
@@ -4352,7 +4261,7 @@
               <a:t>Mpanazava</a:t>
             </a:r>
             <a:r>
-              <a:rPr lang="fr-FR" sz="3600" b="1" dirty="0" smtClean="0">
+              <a:rPr lang="fr-FR" sz="4800" b="1" dirty="0">
                 <a:solidFill>
                   <a:schemeClr val="bg1"/>
                 </a:solidFill>
@@ -4361,13 +4270,9 @@
             </a:r>
           </a:p>
           <a:p>
-            <a:pPr algn="ctr">
-              <a:lnSpc>
-                <a:spcPct val="150000"/>
-              </a:lnSpc>
-            </a:pPr>
-            <a:r>
-              <a:rPr lang="fr-FR" sz="3600" b="1" dirty="0" err="1" smtClean="0">
+            <a:pPr algn="ctr"/>
+            <a:r>
+              <a:rPr lang="fr-FR" sz="4800" b="1" dirty="0" err="1">
                 <a:solidFill>
                   <a:schemeClr val="bg1"/>
                 </a:solidFill>
@@ -4375,7 +4280,7 @@
               <a:t>Ny</a:t>
             </a:r>
             <a:r>
-              <a:rPr lang="fr-FR" sz="3600" b="1" dirty="0" smtClean="0">
+              <a:rPr lang="fr-FR" sz="4800" b="1" dirty="0">
                 <a:solidFill>
                   <a:schemeClr val="bg1"/>
                 </a:solidFill>
@@ -4383,7 +4288,7 @@
               <a:t> </a:t>
             </a:r>
             <a:r>
-              <a:rPr lang="fr-FR" sz="3600" b="1" dirty="0" err="1" smtClean="0">
+              <a:rPr lang="fr-FR" sz="4800" b="1" dirty="0" err="1">
                 <a:solidFill>
                   <a:schemeClr val="bg1"/>
                 </a:solidFill>
@@ -4391,7 +4296,7 @@
               <a:t>Baiboly</a:t>
             </a:r>
             <a:r>
-              <a:rPr lang="fr-FR" sz="3600" b="1" dirty="0" smtClean="0">
+              <a:rPr lang="fr-FR" sz="4800" b="1" dirty="0">
                 <a:solidFill>
                   <a:schemeClr val="bg1"/>
                 </a:solidFill>
@@ -4399,27 +4304,23 @@
               <a:t> </a:t>
             </a:r>
             <a:r>
-              <a:rPr lang="fr-FR" sz="3600" b="1" dirty="0" err="1" smtClean="0">
+              <a:rPr lang="fr-FR" sz="4800" b="1" dirty="0" err="1">
                 <a:solidFill>
                   <a:schemeClr val="bg1"/>
                 </a:solidFill>
               </a:rPr>
               <a:t>taminao</a:t>
             </a:r>
-            <a:endParaRPr lang="fr-FR" sz="3600" b="1" dirty="0" smtClean="0">
+            <a:endParaRPr lang="fr-FR" sz="4800" b="1" dirty="0">
               <a:solidFill>
                 <a:schemeClr val="bg1"/>
               </a:solidFill>
             </a:endParaRPr>
           </a:p>
           <a:p>
-            <a:pPr algn="ctr">
-              <a:lnSpc>
-                <a:spcPct val="150000"/>
-              </a:lnSpc>
-            </a:pPr>
-            <a:r>
-              <a:rPr lang="fr-FR" sz="3600" b="1" dirty="0" smtClean="0">
+            <a:pPr algn="ctr"/>
+            <a:r>
+              <a:rPr lang="fr-FR" sz="4800" b="1" dirty="0">
                 <a:solidFill>
                   <a:schemeClr val="bg1"/>
                 </a:solidFill>
@@ -4427,7 +4328,7 @@
               <a:t>Dia </a:t>
             </a:r>
             <a:r>
-              <a:rPr lang="fr-FR" sz="3600" b="1" dirty="0" err="1" smtClean="0">
+              <a:rPr lang="fr-FR" sz="4800" b="1" dirty="0" err="1">
                 <a:solidFill>
                   <a:schemeClr val="bg1"/>
                 </a:solidFill>
@@ -4435,7 +4336,7 @@
               <a:t>fanilo</a:t>
             </a:r>
             <a:r>
-              <a:rPr lang="fr-FR" sz="3600" b="1" dirty="0" smtClean="0">
+              <a:rPr lang="fr-FR" sz="4800" b="1" dirty="0">
                 <a:solidFill>
                   <a:schemeClr val="bg1"/>
                 </a:solidFill>
@@ -4443,7 +4344,7 @@
               <a:t> </a:t>
             </a:r>
             <a:r>
-              <a:rPr lang="fr-FR" sz="3600" b="1" dirty="0" err="1" smtClean="0">
+              <a:rPr lang="fr-FR" sz="4800" b="1" dirty="0" err="1">
                 <a:solidFill>
                   <a:schemeClr val="bg1"/>
                 </a:solidFill>
@@ -4451,7 +4352,7 @@
               <a:t>sady</a:t>
             </a:r>
             <a:r>
-              <a:rPr lang="fr-FR" sz="3600" b="1" dirty="0" smtClean="0">
+              <a:rPr lang="fr-FR" sz="4800" b="1" dirty="0">
                 <a:solidFill>
                   <a:schemeClr val="bg1"/>
                 </a:solidFill>
@@ -4459,27 +4360,23 @@
               <a:t> </a:t>
             </a:r>
             <a:r>
-              <a:rPr lang="fr-FR" sz="3600" b="1" dirty="0" err="1" smtClean="0">
+              <a:rPr lang="fr-FR" sz="4800" b="1" dirty="0" err="1">
                 <a:solidFill>
                   <a:schemeClr val="bg1"/>
                 </a:solidFill>
               </a:rPr>
               <a:t>toky</a:t>
             </a:r>
-            <a:endParaRPr lang="fr-FR" sz="3600" b="1" dirty="0" smtClean="0">
+            <a:endParaRPr lang="fr-FR" sz="4800" b="1" dirty="0">
               <a:solidFill>
                 <a:schemeClr val="bg1"/>
               </a:solidFill>
             </a:endParaRPr>
           </a:p>
           <a:p>
-            <a:pPr algn="ctr">
-              <a:lnSpc>
-                <a:spcPct val="150000"/>
-              </a:lnSpc>
-            </a:pPr>
-            <a:r>
-              <a:rPr lang="fr-FR" sz="3600" b="1" dirty="0" err="1" smtClean="0">
+            <a:pPr algn="ctr"/>
+            <a:r>
+              <a:rPr lang="fr-FR" sz="4800" b="1" dirty="0" err="1">
                 <a:solidFill>
                   <a:schemeClr val="bg1"/>
                 </a:solidFill>
@@ -4487,7 +4384,7 @@
               <a:t>Hanantonanay</a:t>
             </a:r>
             <a:r>
-              <a:rPr lang="fr-FR" sz="3600" b="1" dirty="0" smtClean="0">
+              <a:rPr lang="fr-FR" sz="4800" b="1" dirty="0">
                 <a:solidFill>
                   <a:schemeClr val="bg1"/>
                 </a:solidFill>
@@ -4495,27 +4392,23 @@
               <a:t> </a:t>
             </a:r>
             <a:r>
-              <a:rPr lang="fr-FR" sz="3600" b="1" dirty="0" err="1" smtClean="0">
+              <a:rPr lang="fr-FR" sz="4800" b="1" dirty="0" err="1">
                 <a:solidFill>
                   <a:schemeClr val="bg1"/>
                 </a:solidFill>
               </a:rPr>
               <a:t>Anao</a:t>
             </a:r>
-            <a:endParaRPr lang="fr-FR" sz="3600" b="1" dirty="0" smtClean="0">
+            <a:endParaRPr lang="fr-FR" sz="4800" b="1" dirty="0">
               <a:solidFill>
                 <a:schemeClr val="bg1"/>
               </a:solidFill>
             </a:endParaRPr>
           </a:p>
           <a:p>
-            <a:pPr algn="ctr">
-              <a:lnSpc>
-                <a:spcPct val="150000"/>
-              </a:lnSpc>
-            </a:pPr>
-            <a:r>
-              <a:rPr lang="fr-FR" sz="3600" b="1" dirty="0" smtClean="0">
+            <a:pPr algn="ctr"/>
+            <a:r>
+              <a:rPr lang="fr-FR" sz="4800" b="1" dirty="0">
                 <a:solidFill>
                   <a:schemeClr val="bg1"/>
                 </a:solidFill>
@@ -4523,7 +4416,7 @@
               <a:t>:,: </a:t>
             </a:r>
             <a:r>
-              <a:rPr lang="fr-FR" sz="3600" b="1" dirty="0" err="1" smtClean="0">
+              <a:rPr lang="fr-FR" sz="4800" b="1" dirty="0" err="1">
                 <a:solidFill>
                   <a:schemeClr val="bg1"/>
                 </a:solidFill>
@@ -4531,7 +4424,7 @@
               <a:t>Mba</a:t>
             </a:r>
             <a:r>
-              <a:rPr lang="fr-FR" sz="3600" b="1" dirty="0" smtClean="0">
+              <a:rPr lang="fr-FR" sz="4800" b="1" dirty="0">
                 <a:solidFill>
                   <a:schemeClr val="bg1"/>
                 </a:solidFill>
@@ -4539,27 +4432,23 @@
               <a:t> </a:t>
             </a:r>
             <a:r>
-              <a:rPr lang="fr-FR" sz="3600" b="1" dirty="0" err="1" smtClean="0">
+              <a:rPr lang="fr-FR" sz="4800" b="1" dirty="0" err="1">
                 <a:solidFill>
                   <a:schemeClr val="bg1"/>
                 </a:solidFill>
               </a:rPr>
               <a:t>tsilovy</a:t>
             </a:r>
-            <a:endParaRPr lang="fr-FR" sz="3600" b="1" dirty="0" smtClean="0">
+            <a:endParaRPr lang="fr-FR" sz="4800" b="1" dirty="0">
               <a:solidFill>
                 <a:schemeClr val="bg1"/>
               </a:solidFill>
             </a:endParaRPr>
           </a:p>
           <a:p>
-            <a:pPr algn="ctr">
-              <a:lnSpc>
-                <a:spcPct val="150000"/>
-              </a:lnSpc>
-            </a:pPr>
-            <a:r>
-              <a:rPr lang="fr-FR" sz="3600" b="1" dirty="0" smtClean="0">
+            <a:pPr algn="ctr"/>
+            <a:r>
+              <a:rPr lang="fr-FR" sz="4800" b="1" dirty="0">
                 <a:solidFill>
                   <a:schemeClr val="bg1"/>
                 </a:solidFill>
@@ -4567,7 +4456,7 @@
               <a:t>'Zay </a:t>
             </a:r>
             <a:r>
-              <a:rPr lang="fr-FR" sz="3600" b="1" dirty="0" err="1" smtClean="0">
+              <a:rPr lang="fr-FR" sz="4800" b="1" dirty="0" err="1">
                 <a:solidFill>
                   <a:schemeClr val="bg1"/>
                 </a:solidFill>
@@ -4575,7 +4464,7 @@
               <a:t>miankina</a:t>
             </a:r>
             <a:r>
-              <a:rPr lang="fr-FR" sz="3600" b="1" dirty="0" smtClean="0">
+              <a:rPr lang="fr-FR" sz="4800" b="1" dirty="0">
                 <a:solidFill>
                   <a:schemeClr val="bg1"/>
                 </a:solidFill>
@@ -4583,7 +4472,7 @@
               <a:t> </a:t>
             </a:r>
             <a:r>
-              <a:rPr lang="fr-FR" sz="3600" b="1" dirty="0" err="1" smtClean="0">
+              <a:rPr lang="fr-FR" sz="4800" b="1" dirty="0" err="1">
                 <a:solidFill>
                   <a:schemeClr val="bg1"/>
                 </a:solidFill>
@@ -4591,18 +4480,13 @@
               <a:t>aminao</a:t>
             </a:r>
             <a:r>
-              <a:rPr lang="fr-FR" sz="3600" b="1" dirty="0" smtClean="0">
+              <a:rPr lang="fr-FR" sz="4800" b="1" dirty="0">
                 <a:solidFill>
                   <a:schemeClr val="bg1"/>
                 </a:solidFill>
               </a:rPr>
               <a:t> :,:</a:t>
             </a:r>
-            <a:endParaRPr lang="fr-FR" sz="3600" b="1" dirty="0">
-              <a:solidFill>
-                <a:schemeClr val="bg1"/>
-              </a:solidFill>
-            </a:endParaRPr>
           </a:p>
         </p:txBody>
       </p:sp>
